--- a/Presentation.pptx
+++ b/Presentation.pptx
@@ -14167,13 +14167,13 @@
   <p:clrMapOvr>
     <a:masterClrMapping/>
   </p:clrMapOvr>
-  <mc:AlternateContent xmlns:mc="http://schemas.openxmlformats.org/markup-compatibility/2006">
-    <mc:Choice xmlns:p14="http://schemas.microsoft.com/office/powerpoint/2010/main" Requires="p14">
+  <mc:AlternateContent xmlns:mc="http://schemas.openxmlformats.org/markup-compatibility/2006" xmlns:p14="http://schemas.microsoft.com/office/powerpoint/2010/main">
+    <mc:Choice Requires="p14">
       <p:transition spd="med" p14:dur="700">
         <p:fade/>
       </p:transition>
     </mc:Choice>
-    <mc:Fallback>
+    <mc:Fallback xmlns="">
       <p:transition spd="med">
         <p:fade/>
       </p:transition>
@@ -14268,13 +14268,13 @@
   <p:clrMapOvr>
     <a:masterClrMapping/>
   </p:clrMapOvr>
-  <mc:AlternateContent xmlns:mc="http://schemas.openxmlformats.org/markup-compatibility/2006">
-    <mc:Choice xmlns:p14="http://schemas.microsoft.com/office/powerpoint/2010/main" Requires="p14">
+  <mc:AlternateContent xmlns:mc="http://schemas.openxmlformats.org/markup-compatibility/2006" xmlns:p14="http://schemas.microsoft.com/office/powerpoint/2010/main">
+    <mc:Choice Requires="p14">
       <p:transition spd="med" p14:dur="700">
         <p:fade/>
       </p:transition>
     </mc:Choice>
-    <mc:Fallback>
+    <mc:Fallback xmlns="">
       <p:transition spd="med">
         <p:fade/>
       </p:transition>
@@ -15284,12 +15284,9 @@
 </file>
 
 <file path=customXml/item1.xml><?xml version="1.0" encoding="utf-8"?>
-<?mso-contentType ?>
-<FormTemplates xmlns="http://schemas.microsoft.com/sharepoint/v3/contenttype/forms">
-  <Display>DocumentLibraryForm</Display>
-  <Edit>DocumentLibraryForm</Edit>
-  <New>DocumentLibraryForm</New>
-</FormTemplates>
+<p:properties xmlns:p="http://schemas.microsoft.com/office/2006/metadata/properties" xmlns:xsi="http://www.w3.org/2001/XMLSchema-instance" xmlns:pc="http://schemas.microsoft.com/office/infopath/2007/PartnerControls">
+  <documentManagement/>
+</p:properties>
 </file>
 
 <file path=customXml/item2.xml><?xml version="1.0" encoding="utf-8"?>
@@ -15478,15 +15475,27 @@
 </file>
 
 <file path=customXml/item3.xml><?xml version="1.0" encoding="utf-8"?>
-<p:properties xmlns:p="http://schemas.microsoft.com/office/2006/metadata/properties" xmlns:xsi="http://www.w3.org/2001/XMLSchema-instance" xmlns:pc="http://schemas.microsoft.com/office/infopath/2007/PartnerControls">
-  <documentManagement/>
-</p:properties>
+<?mso-contentType ?>
+<FormTemplates xmlns="http://schemas.microsoft.com/sharepoint/v3/contenttype/forms">
+  <Display>DocumentLibraryForm</Display>
+  <Edit>DocumentLibraryForm</Edit>
+  <New>DocumentLibraryForm</New>
+</FormTemplates>
 </file>
 
 <file path=customXml/itemProps1.xml><?xml version="1.0" encoding="utf-8"?>
-<ds:datastoreItem xmlns:ds="http://schemas.openxmlformats.org/officeDocument/2006/customXml" ds:itemID="{F11117D9-2152-408D-8EA9-A138D8484626}">
+<ds:datastoreItem xmlns:ds="http://schemas.openxmlformats.org/officeDocument/2006/customXml" ds:itemID="{E3F0252B-B6E9-4221-B01E-0247E154DC26}">
   <ds:schemaRefs>
-    <ds:schemaRef ds:uri="http://schemas.microsoft.com/sharepoint/v3/contenttype/forms"/>
+    <ds:schemaRef ds:uri="http://purl.org/dc/elements/1.1/"/>
+    <ds:schemaRef ds:uri="http://schemas.microsoft.com/office/2006/metadata/properties"/>
+    <ds:schemaRef ds:uri="7fd3c95c-4561-4366-9173-5ef59b8cd20a"/>
+    <ds:schemaRef ds:uri="http://purl.org/dc/terms/"/>
+    <ds:schemaRef ds:uri="http://schemas.openxmlformats.org/package/2006/metadata/core-properties"/>
+    <ds:schemaRef ds:uri="http://schemas.microsoft.com/office/2006/documentManagement/types"/>
+    <ds:schemaRef ds:uri="http://schemas.microsoft.com/office/infopath/2007/PartnerControls"/>
+    <ds:schemaRef ds:uri="872877ae-a410-445f-835b-653367d2e530"/>
+    <ds:schemaRef ds:uri="http://www.w3.org/XML/1998/namespace"/>
+    <ds:schemaRef ds:uri="http://purl.org/dc/dcmitype/"/>
   </ds:schemaRefs>
 </ds:datastoreItem>
 </file>
@@ -15511,18 +15520,9 @@
 </file>
 
 <file path=customXml/itemProps3.xml><?xml version="1.0" encoding="utf-8"?>
-<ds:datastoreItem xmlns:ds="http://schemas.openxmlformats.org/officeDocument/2006/customXml" ds:itemID="{E3F0252B-B6E9-4221-B01E-0247E154DC26}">
+<ds:datastoreItem xmlns:ds="http://schemas.openxmlformats.org/officeDocument/2006/customXml" ds:itemID="{F11117D9-2152-408D-8EA9-A138D8484626}">
   <ds:schemaRefs>
-    <ds:schemaRef ds:uri="http://purl.org/dc/elements/1.1/"/>
-    <ds:schemaRef ds:uri="http://schemas.microsoft.com/office/2006/metadata/properties"/>
-    <ds:schemaRef ds:uri="7fd3c95c-4561-4366-9173-5ef59b8cd20a"/>
-    <ds:schemaRef ds:uri="http://purl.org/dc/terms/"/>
-    <ds:schemaRef ds:uri="http://schemas.openxmlformats.org/package/2006/metadata/core-properties"/>
-    <ds:schemaRef ds:uri="http://schemas.microsoft.com/office/2006/documentManagement/types"/>
-    <ds:schemaRef ds:uri="http://schemas.microsoft.com/office/infopath/2007/PartnerControls"/>
-    <ds:schemaRef ds:uri="872877ae-a410-445f-835b-653367d2e530"/>
-    <ds:schemaRef ds:uri="http://www.w3.org/XML/1998/namespace"/>
-    <ds:schemaRef ds:uri="http://purl.org/dc/dcmitype/"/>
+    <ds:schemaRef ds:uri="http://schemas.microsoft.com/sharepoint/v3/contenttype/forms"/>
   </ds:schemaRefs>
 </ds:datastoreItem>
 </file>